--- a/redis/redis_slides.pptx
+++ b/redis/redis_slides.pptx
@@ -18213,6 +18213,13 @@
   <p:transition>
     <p:fade thruBlk="1"/>
   </p:transition>
+  <p:timing>
+    <p:tnLst>
+      <p:par>
+        <p:cTn id="1" dur="indefinite" restart="never" nodeType="tmRoot"/>
+      </p:par>
+    </p:tnLst>
+  </p:timing>
 </p:sld>
 </file>
 
@@ -18514,6 +18521,36 @@
             <a:r>
               <a:rPr lang="nb-NO" dirty="0" smtClean="0">
                 <a:hlinkClick r:id="rId5"/>
+              </a:rPr>
+              <a:t>/</a:t>
+            </a:r>
+            <a:r>
+              <a:rPr lang="nb-NO" dirty="0"/>
+              <a:t/>
+            </a:r>
+            <a:br>
+              <a:rPr lang="nb-NO" dirty="0"/>
+            </a:br>
+            <a:endParaRPr lang="nb-NO" dirty="0"/>
+          </a:p>
+          <a:p>
+            <a:r>
+              <a:rPr lang="nb-NO" dirty="0" err="1"/>
+              <a:t>Longread</a:t>
+            </a:r>
+            <a:r>
+              <a:rPr lang="nb-NO" dirty="0"/>
+              <a:t>: </a:t>
+            </a:r>
+            <a:r>
+              <a:rPr lang="nb-NO" dirty="0">
+                <a:hlinkClick r:id="rId6"/>
+              </a:rPr>
+              <a:t>http://openmymind.net/Data-Modeling-In-Redis</a:t>
+            </a:r>
+            <a:r>
+              <a:rPr lang="nb-NO" dirty="0" smtClean="0">
+                <a:hlinkClick r:id="rId6"/>
               </a:rPr>
               <a:t>/</a:t>
             </a:r>
